--- a/out/Summary.pptx
+++ b/out/Summary.pptx
@@ -3366,25 +3366,25 @@
           <p:nvPr>
             <p:extLst>
               <p:ext uri="{D42A27DB-BD31-4B8C-83A1-F6EECF244321}">
-                <p14:modId xmlns:p14="http://schemas.microsoft.com/office/powerpoint/2010/main" val="2637947934"/>
+                <p14:modId xmlns:p14="http://schemas.microsoft.com/office/powerpoint/2010/main" val="2717558400"/>
               </p:ext>
             </p:extLst>
           </p:nvPr>
         </p:nvGraphicFramePr>
         <p:xfrm>
-          <a:off x="1663700" y="2203450"/>
-          <a:ext cx="8864600" cy="2451100"/>
+          <a:off x="77788" y="1506538"/>
+          <a:ext cx="12036425" cy="3846512"/>
         </p:xfrm>
         <a:graphic>
           <a:graphicData uri="http://schemas.openxmlformats.org/presentationml/2006/ole">
             <mc:AlternateContent xmlns:mc="http://schemas.openxmlformats.org/markup-compatibility/2006">
               <mc:Choice xmlns:v="urn:schemas-microsoft-com:vml" Requires="v">
-                <p:oleObj name="Document" r:id="rId2" imgW="8864600" imgH="2451100" progId="Word.Document.12">
+                <p:oleObj name="Document" r:id="rId2" imgW="8864600" imgH="2832100" progId="Word.Document.12">
                   <p:embed/>
                 </p:oleObj>
               </mc:Choice>
               <mc:Fallback>
-                <p:oleObj name="Document" r:id="rId2" imgW="8864600" imgH="2451100" progId="Word.Document.12">
+                <p:oleObj name="Document" r:id="rId2" imgW="8864600" imgH="2832100" progId="Word.Document.12">
                   <p:embed/>
                   <p:pic>
                     <p:nvPicPr>
@@ -3400,8 +3400,8 @@
                     </p:blipFill>
                     <p:spPr>
                       <a:xfrm>
-                        <a:off x="1663700" y="2203450"/>
-                        <a:ext cx="8864600" cy="2451100"/>
+                        <a:off x="77788" y="1506538"/>
+                        <a:ext cx="12036425" cy="3846512"/>
                       </a:xfrm>
                       <a:prstGeom prst="rect">
                         <a:avLst/>
@@ -3459,25 +3459,25 @@
           <p:nvPr>
             <p:extLst>
               <p:ext uri="{D42A27DB-BD31-4B8C-83A1-F6EECF244321}">
-                <p14:modId xmlns:p14="http://schemas.microsoft.com/office/powerpoint/2010/main" val="2131517146"/>
+                <p14:modId xmlns:p14="http://schemas.microsoft.com/office/powerpoint/2010/main" val="31455550"/>
               </p:ext>
             </p:extLst>
           </p:nvPr>
         </p:nvGraphicFramePr>
         <p:xfrm>
-          <a:off x="1663700" y="2006600"/>
-          <a:ext cx="8864600" cy="2844800"/>
+          <a:off x="0" y="503238"/>
+          <a:ext cx="12192000" cy="5853112"/>
         </p:xfrm>
         <a:graphic>
           <a:graphicData uri="http://schemas.openxmlformats.org/presentationml/2006/ole">
             <mc:AlternateContent xmlns:mc="http://schemas.openxmlformats.org/markup-compatibility/2006">
               <mc:Choice xmlns:v="urn:schemas-microsoft-com:vml" Requires="v">
-                <p:oleObj name="Document" r:id="rId2" imgW="8864600" imgH="2844800" progId="Word.Document.12">
+                <p:oleObj name="Document" r:id="rId2" imgW="8864600" imgH="4254500" progId="Word.Document.12">
                   <p:embed/>
                 </p:oleObj>
               </mc:Choice>
               <mc:Fallback>
-                <p:oleObj name="Document" r:id="rId2" imgW="8864600" imgH="2844800" progId="Word.Document.12">
+                <p:oleObj name="Document" r:id="rId2" imgW="8864600" imgH="4254500" progId="Word.Document.12">
                   <p:embed/>
                   <p:pic>
                     <p:nvPicPr>
@@ -3493,8 +3493,8 @@
                     </p:blipFill>
                     <p:spPr>
                       <a:xfrm>
-                        <a:off x="1663700" y="2006600"/>
-                        <a:ext cx="8864600" cy="2844800"/>
+                        <a:off x="0" y="503238"/>
+                        <a:ext cx="12192000" cy="5853112"/>
                       </a:xfrm>
                       <a:prstGeom prst="rect">
                         <a:avLst/>
@@ -3552,25 +3552,25 @@
           <p:nvPr>
             <p:extLst>
               <p:ext uri="{D42A27DB-BD31-4B8C-83A1-F6EECF244321}">
-                <p14:modId xmlns:p14="http://schemas.microsoft.com/office/powerpoint/2010/main" val="2939672582"/>
+                <p14:modId xmlns:p14="http://schemas.microsoft.com/office/powerpoint/2010/main" val="1575759658"/>
               </p:ext>
             </p:extLst>
           </p:nvPr>
         </p:nvGraphicFramePr>
         <p:xfrm>
-          <a:off x="1663700" y="2203450"/>
-          <a:ext cx="8864600" cy="2451100"/>
+          <a:off x="0" y="1148823"/>
+          <a:ext cx="12192000" cy="4560354"/>
         </p:xfrm>
         <a:graphic>
           <a:graphicData uri="http://schemas.openxmlformats.org/presentationml/2006/ole">
             <mc:AlternateContent xmlns:mc="http://schemas.openxmlformats.org/markup-compatibility/2006">
               <mc:Choice xmlns:v="urn:schemas-microsoft-com:vml" Requires="v">
-                <p:oleObj name="Document" r:id="rId2" imgW="8864600" imgH="2451100" progId="Word.Document.12">
+                <p:oleObj name="Document" r:id="rId2" imgW="8864600" imgH="3314700" progId="Word.Document.12">
                   <p:embed/>
                 </p:oleObj>
               </mc:Choice>
               <mc:Fallback>
-                <p:oleObj name="Document" r:id="rId2" imgW="8864600" imgH="2451100" progId="Word.Document.12">
+                <p:oleObj name="Document" r:id="rId2" imgW="8864600" imgH="3314700" progId="Word.Document.12">
                   <p:embed/>
                   <p:pic>
                     <p:nvPicPr>
@@ -3586,15 +3586,13 @@
                     </p:blipFill>
                     <p:spPr>
                       <a:xfrm>
-                        <a:off x="1663700" y="2203450"/>
-                        <a:ext cx="8864600" cy="2451100"/>
+                        <a:off x="0" y="1148823"/>
+                        <a:ext cx="12192000" cy="4560354"/>
                       </a:xfrm>
                       <a:prstGeom prst="rect">
                         <a:avLst/>
                       </a:prstGeom>
-                      <a:solidFill>
-                        <a:srgbClr val="FFFF00"/>
-                      </a:solidFill>
+                      <a:noFill/>
                     </p:spPr>
                   </p:pic>
                 </p:oleObj>
@@ -3648,25 +3646,25 @@
           <p:nvPr>
             <p:extLst>
               <p:ext uri="{D42A27DB-BD31-4B8C-83A1-F6EECF244321}">
-                <p14:modId xmlns:p14="http://schemas.microsoft.com/office/powerpoint/2010/main" val="3615070805"/>
+                <p14:modId xmlns:p14="http://schemas.microsoft.com/office/powerpoint/2010/main" val="2351077312"/>
               </p:ext>
             </p:extLst>
           </p:nvPr>
         </p:nvGraphicFramePr>
         <p:xfrm>
-          <a:off x="1663700" y="2101850"/>
-          <a:ext cx="8864600" cy="2654300"/>
+          <a:off x="0" y="1299280"/>
+          <a:ext cx="12192000" cy="4259440"/>
         </p:xfrm>
         <a:graphic>
           <a:graphicData uri="http://schemas.openxmlformats.org/presentationml/2006/ole">
             <mc:AlternateContent xmlns:mc="http://schemas.openxmlformats.org/markup-compatibility/2006">
               <mc:Choice xmlns:v="urn:schemas-microsoft-com:vml" Requires="v">
-                <p:oleObj name="Document" r:id="rId2" imgW="8864600" imgH="2654300" progId="Word.Document.12">
+                <p:oleObj name="Document" r:id="rId2" imgW="8978900" imgH="3136900" progId="Word.Document.12">
                   <p:embed/>
                 </p:oleObj>
               </mc:Choice>
               <mc:Fallback>
-                <p:oleObj name="Document" r:id="rId2" imgW="8864600" imgH="2654300" progId="Word.Document.12">
+                <p:oleObj name="Document" r:id="rId2" imgW="8978900" imgH="3136900" progId="Word.Document.12">
                   <p:embed/>
                   <p:pic>
                     <p:nvPicPr>
@@ -3682,15 +3680,13 @@
                     </p:blipFill>
                     <p:spPr>
                       <a:xfrm>
-                        <a:off x="1663700" y="2101850"/>
-                        <a:ext cx="8864600" cy="2654300"/>
+                        <a:off x="0" y="1299280"/>
+                        <a:ext cx="12192000" cy="4259440"/>
                       </a:xfrm>
                       <a:prstGeom prst="rect">
                         <a:avLst/>
                       </a:prstGeom>
-                      <a:solidFill>
-                        <a:srgbClr val="FFFF00"/>
-                      </a:solidFill>
+                      <a:noFill/>
                     </p:spPr>
                   </p:pic>
                 </p:oleObj>
@@ -3744,25 +3740,25 @@
           <p:nvPr>
             <p:extLst>
               <p:ext uri="{D42A27DB-BD31-4B8C-83A1-F6EECF244321}">
-                <p14:modId xmlns:p14="http://schemas.microsoft.com/office/powerpoint/2010/main" val="1911905527"/>
+                <p14:modId xmlns:p14="http://schemas.microsoft.com/office/powerpoint/2010/main" val="1337033264"/>
               </p:ext>
             </p:extLst>
           </p:nvPr>
         </p:nvGraphicFramePr>
         <p:xfrm>
-          <a:off x="1663700" y="2006600"/>
-          <a:ext cx="8864600" cy="2844800"/>
+          <a:off x="0" y="477069"/>
+          <a:ext cx="12192000" cy="5903862"/>
         </p:xfrm>
         <a:graphic>
           <a:graphicData uri="http://schemas.openxmlformats.org/presentationml/2006/ole">
             <mc:AlternateContent xmlns:mc="http://schemas.openxmlformats.org/markup-compatibility/2006">
               <mc:Choice xmlns:v="urn:schemas-microsoft-com:vml" Requires="v">
-                <p:oleObj name="Document" r:id="rId2" imgW="8864600" imgH="2844800" progId="Word.Document.12">
+                <p:oleObj name="Document" r:id="rId2" imgW="8864600" imgH="4292600" progId="Word.Document.12">
                   <p:embed/>
                 </p:oleObj>
               </mc:Choice>
               <mc:Fallback>
-                <p:oleObj name="Document" r:id="rId2" imgW="8864600" imgH="2844800" progId="Word.Document.12">
+                <p:oleObj name="Document" r:id="rId2" imgW="8864600" imgH="4292600" progId="Word.Document.12">
                   <p:embed/>
                   <p:pic>
                     <p:nvPicPr>
@@ -3784,15 +3780,13 @@
                     </p:blipFill>
                     <p:spPr>
                       <a:xfrm>
-                        <a:off x="1663700" y="2006600"/>
-                        <a:ext cx="8864600" cy="2844800"/>
+                        <a:off x="0" y="477069"/>
+                        <a:ext cx="12192000" cy="5903862"/>
                       </a:xfrm>
                       <a:prstGeom prst="rect">
                         <a:avLst/>
                       </a:prstGeom>
-                      <a:solidFill>
-                        <a:srgbClr val="FFFF00"/>
-                      </a:solidFill>
+                      <a:noFill/>
                     </p:spPr>
                   </p:pic>
                 </p:oleObj>

--- a/out/Summary.pptx
+++ b/out/Summary.pptx
@@ -6,10 +6,13 @@
   </p:sldMasterIdLst>
   <p:sldIdLst>
     <p:sldId id="256" r:id="rId2"/>
-    <p:sldId id="257" r:id="rId3"/>
-    <p:sldId id="258" r:id="rId4"/>
-    <p:sldId id="259" r:id="rId5"/>
-    <p:sldId id="261" r:id="rId6"/>
+    <p:sldId id="262" r:id="rId3"/>
+    <p:sldId id="263" r:id="rId4"/>
+    <p:sldId id="257" r:id="rId5"/>
+    <p:sldId id="265" r:id="rId6"/>
+    <p:sldId id="258" r:id="rId7"/>
+    <p:sldId id="259" r:id="rId8"/>
+    <p:sldId id="261" r:id="rId9"/>
   </p:sldIdLst>
   <p:sldSz cx="12192000" cy="6858000"/>
   <p:notesSz cx="6858000" cy="9144000"/>
@@ -265,7 +268,7 @@
           <a:p>
             <a:fld id="{095752B1-FC9A-D942-A52A-1C8FD95D4902}" type="datetimeFigureOut">
               <a:rPr lang="en-DE" smtClean="0"/>
-              <a:t>19.05.22</a:t>
+              <a:t>24.05.22</a:t>
             </a:fld>
             <a:endParaRPr lang="en-DE"/>
           </a:p>
@@ -465,7 +468,7 @@
           <a:p>
             <a:fld id="{095752B1-FC9A-D942-A52A-1C8FD95D4902}" type="datetimeFigureOut">
               <a:rPr lang="en-DE" smtClean="0"/>
-              <a:t>19.05.22</a:t>
+              <a:t>24.05.22</a:t>
             </a:fld>
             <a:endParaRPr lang="en-DE"/>
           </a:p>
@@ -675,7 +678,7 @@
           <a:p>
             <a:fld id="{095752B1-FC9A-D942-A52A-1C8FD95D4902}" type="datetimeFigureOut">
               <a:rPr lang="en-DE" smtClean="0"/>
-              <a:t>19.05.22</a:t>
+              <a:t>24.05.22</a:t>
             </a:fld>
             <a:endParaRPr lang="en-DE"/>
           </a:p>
@@ -875,7 +878,7 @@
           <a:p>
             <a:fld id="{095752B1-FC9A-D942-A52A-1C8FD95D4902}" type="datetimeFigureOut">
               <a:rPr lang="en-DE" smtClean="0"/>
-              <a:t>19.05.22</a:t>
+              <a:t>24.05.22</a:t>
             </a:fld>
             <a:endParaRPr lang="en-DE"/>
           </a:p>
@@ -1151,7 +1154,7 @@
           <a:p>
             <a:fld id="{095752B1-FC9A-D942-A52A-1C8FD95D4902}" type="datetimeFigureOut">
               <a:rPr lang="en-DE" smtClean="0"/>
-              <a:t>19.05.22</a:t>
+              <a:t>24.05.22</a:t>
             </a:fld>
             <a:endParaRPr lang="en-DE"/>
           </a:p>
@@ -1419,7 +1422,7 @@
           <a:p>
             <a:fld id="{095752B1-FC9A-D942-A52A-1C8FD95D4902}" type="datetimeFigureOut">
               <a:rPr lang="en-DE" smtClean="0"/>
-              <a:t>19.05.22</a:t>
+              <a:t>24.05.22</a:t>
             </a:fld>
             <a:endParaRPr lang="en-DE"/>
           </a:p>
@@ -1834,7 +1837,7 @@
           <a:p>
             <a:fld id="{095752B1-FC9A-D942-A52A-1C8FD95D4902}" type="datetimeFigureOut">
               <a:rPr lang="en-DE" smtClean="0"/>
-              <a:t>19.05.22</a:t>
+              <a:t>24.05.22</a:t>
             </a:fld>
             <a:endParaRPr lang="en-DE"/>
           </a:p>
@@ -1976,7 +1979,7 @@
           <a:p>
             <a:fld id="{095752B1-FC9A-D942-A52A-1C8FD95D4902}" type="datetimeFigureOut">
               <a:rPr lang="en-DE" smtClean="0"/>
-              <a:t>19.05.22</a:t>
+              <a:t>24.05.22</a:t>
             </a:fld>
             <a:endParaRPr lang="en-DE"/>
           </a:p>
@@ -2089,7 +2092,7 @@
           <a:p>
             <a:fld id="{095752B1-FC9A-D942-A52A-1C8FD95D4902}" type="datetimeFigureOut">
               <a:rPr lang="en-DE" smtClean="0"/>
-              <a:t>19.05.22</a:t>
+              <a:t>24.05.22</a:t>
             </a:fld>
             <a:endParaRPr lang="en-DE"/>
           </a:p>
@@ -2402,7 +2405,7 @@
           <a:p>
             <a:fld id="{095752B1-FC9A-D942-A52A-1C8FD95D4902}" type="datetimeFigureOut">
               <a:rPr lang="en-DE" smtClean="0"/>
-              <a:t>19.05.22</a:t>
+              <a:t>24.05.22</a:t>
             </a:fld>
             <a:endParaRPr lang="en-DE"/>
           </a:p>
@@ -2691,7 +2694,7 @@
           <a:p>
             <a:fld id="{095752B1-FC9A-D942-A52A-1C8FD95D4902}" type="datetimeFigureOut">
               <a:rPr lang="en-DE" smtClean="0"/>
-              <a:t>19.05.22</a:t>
+              <a:t>24.05.22</a:t>
             </a:fld>
             <a:endParaRPr lang="en-DE"/>
           </a:p>
@@ -2934,7 +2937,7 @@
           <a:p>
             <a:fld id="{095752B1-FC9A-D942-A52A-1C8FD95D4902}" type="datetimeFigureOut">
               <a:rPr lang="en-DE" smtClean="0"/>
-              <a:t>19.05.22</a:t>
+              <a:t>24.05.22</a:t>
             </a:fld>
             <a:endParaRPr lang="en-DE"/>
           </a:p>
@@ -3366,25 +3369,25 @@
           <p:nvPr>
             <p:extLst>
               <p:ext uri="{D42A27DB-BD31-4B8C-83A1-F6EECF244321}">
-                <p14:modId xmlns:p14="http://schemas.microsoft.com/office/powerpoint/2010/main" val="2717558400"/>
+                <p14:modId xmlns:p14="http://schemas.microsoft.com/office/powerpoint/2010/main" val="2361109770"/>
               </p:ext>
             </p:extLst>
           </p:nvPr>
         </p:nvGraphicFramePr>
         <p:xfrm>
-          <a:off x="77788" y="1506538"/>
-          <a:ext cx="12036425" cy="3846512"/>
+          <a:off x="0" y="1838325"/>
+          <a:ext cx="9375775" cy="3279775"/>
         </p:xfrm>
         <a:graphic>
           <a:graphicData uri="http://schemas.openxmlformats.org/presentationml/2006/ole">
             <mc:AlternateContent xmlns:mc="http://schemas.openxmlformats.org/markup-compatibility/2006">
               <mc:Choice xmlns:v="urn:schemas-microsoft-com:vml" Requires="v">
-                <p:oleObj name="Document" r:id="rId2" imgW="8864600" imgH="2832100" progId="Word.Document.12">
+                <p:oleObj name="Document" r:id="rId2" imgW="8864600" imgH="3098800" progId="Word.Document.12">
                   <p:embed/>
                 </p:oleObj>
               </mc:Choice>
               <mc:Fallback>
-                <p:oleObj name="Document" r:id="rId2" imgW="8864600" imgH="2832100" progId="Word.Document.12">
+                <p:oleObj name="Document" r:id="rId2" imgW="8864600" imgH="3098800" progId="Word.Document.12">
                   <p:embed/>
                   <p:pic>
                     <p:nvPicPr>
@@ -3400,8 +3403,8 @@
                     </p:blipFill>
                     <p:spPr>
                       <a:xfrm>
-                        <a:off x="77788" y="1506538"/>
-                        <a:ext cx="12036425" cy="3846512"/>
+                        <a:off x="0" y="1838325"/>
+                        <a:ext cx="9375775" cy="3279775"/>
                       </a:xfrm>
                       <a:prstGeom prst="rect">
                         <a:avLst/>
@@ -3414,6 +3417,36 @@
           </a:graphicData>
         </a:graphic>
       </p:graphicFrame>
+      <p:pic>
+        <p:nvPicPr>
+          <p:cNvPr id="3" name="Picture 2">
+            <a:extLst>
+              <a:ext uri="{FF2B5EF4-FFF2-40B4-BE49-F238E27FC236}">
+                <a16:creationId xmlns:a16="http://schemas.microsoft.com/office/drawing/2014/main" id="{0C264168-918C-4A8D-BAD2-3822A9ACE49C}"/>
+              </a:ext>
+            </a:extLst>
+          </p:cNvPr>
+          <p:cNvPicPr>
+            <a:picLocks noChangeAspect="1"/>
+          </p:cNvPicPr>
+          <p:nvPr/>
+        </p:nvPicPr>
+        <p:blipFill>
+          <a:blip r:embed="rId4"/>
+          <a:stretch>
+            <a:fillRect/>
+          </a:stretch>
+        </p:blipFill>
+        <p:spPr>
+          <a:xfrm>
+            <a:off x="6633044" y="685800"/>
+            <a:ext cx="5486400" cy="5486400"/>
+          </a:xfrm>
+          <a:prstGeom prst="rect">
+            <a:avLst/>
+          </a:prstGeom>
+        </p:spPr>
+      </p:pic>
     </p:spTree>
     <p:extLst>
       <p:ext uri="{BB962C8B-B14F-4D97-AF65-F5344CB8AC3E}">
@@ -3444,12 +3477,41 @@
           <a:chExt cx="0" cy="0"/>
         </a:xfrm>
       </p:grpSpPr>
+      <p:pic>
+        <p:nvPicPr>
+          <p:cNvPr id="3" name="Picture 2">
+            <a:extLst>
+              <a:ext uri="{FF2B5EF4-FFF2-40B4-BE49-F238E27FC236}">
+                <a16:creationId xmlns:a16="http://schemas.microsoft.com/office/drawing/2014/main" id="{0C264168-918C-4A8D-BAD2-3822A9ACE49C}"/>
+              </a:ext>
+            </a:extLst>
+          </p:cNvPr>
+          <p:cNvPicPr>
+            <a:picLocks noChangeAspect="1"/>
+          </p:cNvPicPr>
+          <p:nvPr/>
+        </p:nvPicPr>
+        <p:blipFill>
+          <a:blip r:embed="rId2"/>
+          <a:srcRect/>
+          <a:stretch/>
+        </p:blipFill>
+        <p:spPr>
+          <a:xfrm>
+            <a:off x="6633044" y="685800"/>
+            <a:ext cx="5486400" cy="5486400"/>
+          </a:xfrm>
+          <a:prstGeom prst="rect">
+            <a:avLst/>
+          </a:prstGeom>
+        </p:spPr>
+      </p:pic>
       <p:graphicFrame>
         <p:nvGraphicFramePr>
-          <p:cNvPr id="2" name="Object 1">
-            <a:extLst>
-              <a:ext uri="{FF2B5EF4-FFF2-40B4-BE49-F238E27FC236}">
-                <a16:creationId xmlns:a16="http://schemas.microsoft.com/office/drawing/2014/main" id="{CBE51BE5-3430-9443-AA25-E27438A545AC}"/>
+          <p:cNvPr id="4" name="Object 3">
+            <a:extLst>
+              <a:ext uri="{FF2B5EF4-FFF2-40B4-BE49-F238E27FC236}">
+                <a16:creationId xmlns:a16="http://schemas.microsoft.com/office/drawing/2014/main" id="{8575CCFB-BD43-8B22-603B-F4D3F62040E4}"/>
               </a:ext>
             </a:extLst>
           </p:cNvPr>
@@ -3459,42 +3521,48 @@
           <p:nvPr>
             <p:extLst>
               <p:ext uri="{D42A27DB-BD31-4B8C-83A1-F6EECF244321}">
-                <p14:modId xmlns:p14="http://schemas.microsoft.com/office/powerpoint/2010/main" val="31455550"/>
+                <p14:modId xmlns:p14="http://schemas.microsoft.com/office/powerpoint/2010/main" val="188651120"/>
               </p:ext>
             </p:extLst>
           </p:nvPr>
         </p:nvGraphicFramePr>
         <p:xfrm>
-          <a:off x="0" y="503238"/>
-          <a:ext cx="12192000" cy="5853112"/>
+          <a:off x="0" y="1838325"/>
+          <a:ext cx="9375775" cy="3279775"/>
         </p:xfrm>
         <a:graphic>
           <a:graphicData uri="http://schemas.openxmlformats.org/presentationml/2006/ole">
             <mc:AlternateContent xmlns:mc="http://schemas.openxmlformats.org/markup-compatibility/2006">
               <mc:Choice xmlns:v="urn:schemas-microsoft-com:vml" Requires="v">
-                <p:oleObj name="Document" r:id="rId2" imgW="8864600" imgH="4254500" progId="Word.Document.12">
+                <p:oleObj name="Document" r:id="rId3" imgW="8864600" imgH="3098800" progId="Word.Document.12">
                   <p:embed/>
                 </p:oleObj>
               </mc:Choice>
               <mc:Fallback>
-                <p:oleObj name="Document" r:id="rId2" imgW="8864600" imgH="4254500" progId="Word.Document.12">
+                <p:oleObj name="Document" r:id="rId3" imgW="8864600" imgH="3098800" progId="Word.Document.12">
                   <p:embed/>
                   <p:pic>
                     <p:nvPicPr>
-                      <p:cNvPr id="0" name=""/>
+                      <p:cNvPr id="12" name="Object 11">
+                        <a:extLst>
+                          <a:ext uri="{FF2B5EF4-FFF2-40B4-BE49-F238E27FC236}">
+                            <a16:creationId xmlns:a16="http://schemas.microsoft.com/office/drawing/2014/main" id="{93EA3D56-403E-A54A-9C6A-AE384B2E378E}"/>
+                          </a:ext>
+                        </a:extLst>
+                      </p:cNvPr>
                       <p:cNvPicPr/>
                       <p:nvPr/>
                     </p:nvPicPr>
                     <p:blipFill>
-                      <a:blip r:embed="rId3"/>
+                      <a:blip r:embed="rId4"/>
                       <a:stretch>
                         <a:fillRect/>
                       </a:stretch>
                     </p:blipFill>
                     <p:spPr>
                       <a:xfrm>
-                        <a:off x="0" y="503238"/>
-                        <a:ext cx="12192000" cy="5853112"/>
+                        <a:off x="0" y="1838325"/>
+                        <a:ext cx="9375775" cy="3279775"/>
                       </a:xfrm>
                       <a:prstGeom prst="rect">
                         <a:avLst/>
@@ -3510,7 +3578,7 @@
     </p:spTree>
     <p:extLst>
       <p:ext uri="{BB962C8B-B14F-4D97-AF65-F5344CB8AC3E}">
-        <p14:creationId xmlns:p14="http://schemas.microsoft.com/office/powerpoint/2010/main" val="2995951845"/>
+        <p14:creationId xmlns:p14="http://schemas.microsoft.com/office/powerpoint/2010/main" val="59757394"/>
       </p:ext>
     </p:extLst>
   </p:cSld>
@@ -3537,74 +3605,39 @@
           <a:chExt cx="0" cy="0"/>
         </a:xfrm>
       </p:grpSpPr>
-      <p:graphicFrame>
-        <p:nvGraphicFramePr>
-          <p:cNvPr id="3" name="Object 2">
-            <a:extLst>
-              <a:ext uri="{FF2B5EF4-FFF2-40B4-BE49-F238E27FC236}">
-                <a16:creationId xmlns:a16="http://schemas.microsoft.com/office/drawing/2014/main" id="{E23F6918-4A3A-8646-903F-DB71027C80E5}"/>
-              </a:ext>
-            </a:extLst>
-          </p:cNvPr>
-          <p:cNvGraphicFramePr>
-            <a:graphicFrameLocks noChangeAspect="1"/>
-          </p:cNvGraphicFramePr>
-          <p:nvPr>
-            <p:extLst>
-              <p:ext uri="{D42A27DB-BD31-4B8C-83A1-F6EECF244321}">
-                <p14:modId xmlns:p14="http://schemas.microsoft.com/office/powerpoint/2010/main" val="1575759658"/>
-              </p:ext>
-            </p:extLst>
-          </p:nvPr>
-        </p:nvGraphicFramePr>
-        <p:xfrm>
-          <a:off x="0" y="1148823"/>
-          <a:ext cx="12192000" cy="4560354"/>
-        </p:xfrm>
-        <a:graphic>
-          <a:graphicData uri="http://schemas.openxmlformats.org/presentationml/2006/ole">
-            <mc:AlternateContent xmlns:mc="http://schemas.openxmlformats.org/markup-compatibility/2006">
-              <mc:Choice xmlns:v="urn:schemas-microsoft-com:vml" Requires="v">
-                <p:oleObj name="Document" r:id="rId2" imgW="8864600" imgH="3314700" progId="Word.Document.12">
-                  <p:embed/>
-                </p:oleObj>
-              </mc:Choice>
-              <mc:Fallback>
-                <p:oleObj name="Document" r:id="rId2" imgW="8864600" imgH="3314700" progId="Word.Document.12">
-                  <p:embed/>
-                  <p:pic>
-                    <p:nvPicPr>
-                      <p:cNvPr id="0" name=""/>
-                      <p:cNvPicPr/>
-                      <p:nvPr/>
-                    </p:nvPicPr>
-                    <p:blipFill>
-                      <a:blip r:embed="rId3"/>
-                      <a:stretch>
-                        <a:fillRect/>
-                      </a:stretch>
-                    </p:blipFill>
-                    <p:spPr>
-                      <a:xfrm>
-                        <a:off x="0" y="1148823"/>
-                        <a:ext cx="12192000" cy="4560354"/>
-                      </a:xfrm>
-                      <a:prstGeom prst="rect">
-                        <a:avLst/>
-                      </a:prstGeom>
-                      <a:noFill/>
-                    </p:spPr>
-                  </p:pic>
-                </p:oleObj>
-              </mc:Fallback>
-            </mc:AlternateContent>
-          </a:graphicData>
-        </a:graphic>
-      </p:graphicFrame>
+      <p:pic>
+        <p:nvPicPr>
+          <p:cNvPr id="4" name="Picture 3">
+            <a:extLst>
+              <a:ext uri="{FF2B5EF4-FFF2-40B4-BE49-F238E27FC236}">
+                <a16:creationId xmlns:a16="http://schemas.microsoft.com/office/drawing/2014/main" id="{0600BF90-4CC8-58E1-2C3F-41FF460DF553}"/>
+              </a:ext>
+            </a:extLst>
+          </p:cNvPr>
+          <p:cNvPicPr>
+            <a:picLocks noChangeAspect="1"/>
+          </p:cNvPicPr>
+          <p:nvPr/>
+        </p:nvPicPr>
+        <p:blipFill rotWithShape="1">
+          <a:blip r:embed="rId2"/>
+          <a:srcRect t="13989" b="14972"/>
+          <a:stretch/>
+        </p:blipFill>
+        <p:spPr>
+          <a:xfrm>
+            <a:off x="692046" y="549844"/>
+            <a:ext cx="10807908" cy="5758312"/>
+          </a:xfrm>
+          <a:prstGeom prst="rect">
+            <a:avLst/>
+          </a:prstGeom>
+        </p:spPr>
+      </p:pic>
     </p:spTree>
     <p:extLst>
       <p:ext uri="{BB962C8B-B14F-4D97-AF65-F5344CB8AC3E}">
-        <p14:creationId xmlns:p14="http://schemas.microsoft.com/office/powerpoint/2010/main" val="354116519"/>
+        <p14:creationId xmlns:p14="http://schemas.microsoft.com/office/powerpoint/2010/main" val="111047874"/>
       </p:ext>
     </p:extLst>
   </p:cSld>
@@ -3636,7 +3669,7 @@
           <p:cNvPr id="2" name="Object 1">
             <a:extLst>
               <a:ext uri="{FF2B5EF4-FFF2-40B4-BE49-F238E27FC236}">
-                <a16:creationId xmlns:a16="http://schemas.microsoft.com/office/drawing/2014/main" id="{1C004EFD-C0DB-804D-B5E8-649F26D94E93}"/>
+                <a16:creationId xmlns:a16="http://schemas.microsoft.com/office/drawing/2014/main" id="{CBE51BE5-3430-9443-AA25-E27438A545AC}"/>
               </a:ext>
             </a:extLst>
           </p:cNvPr>
@@ -3646,25 +3679,25 @@
           <p:nvPr>
             <p:extLst>
               <p:ext uri="{D42A27DB-BD31-4B8C-83A1-F6EECF244321}">
-                <p14:modId xmlns:p14="http://schemas.microsoft.com/office/powerpoint/2010/main" val="2351077312"/>
+                <p14:modId xmlns:p14="http://schemas.microsoft.com/office/powerpoint/2010/main" val="874708580"/>
               </p:ext>
             </p:extLst>
           </p:nvPr>
         </p:nvGraphicFramePr>
         <p:xfrm>
-          <a:off x="0" y="1299280"/>
-          <a:ext cx="12192000" cy="4259440"/>
+          <a:off x="0" y="839788"/>
+          <a:ext cx="10237788" cy="5178425"/>
         </p:xfrm>
         <a:graphic>
           <a:graphicData uri="http://schemas.openxmlformats.org/presentationml/2006/ole">
             <mc:AlternateContent xmlns:mc="http://schemas.openxmlformats.org/markup-compatibility/2006">
               <mc:Choice xmlns:v="urn:schemas-microsoft-com:vml" Requires="v">
-                <p:oleObj name="Document" r:id="rId2" imgW="8978900" imgH="3136900" progId="Word.Document.12">
+                <p:oleObj name="Document" r:id="rId2" imgW="8864600" imgH="4483100" progId="Word.Document.12">
                   <p:embed/>
                 </p:oleObj>
               </mc:Choice>
               <mc:Fallback>
-                <p:oleObj name="Document" r:id="rId2" imgW="8978900" imgH="3136900" progId="Word.Document.12">
+                <p:oleObj name="Document" r:id="rId2" imgW="8864600" imgH="4483100" progId="Word.Document.12">
                   <p:embed/>
                   <p:pic>
                     <p:nvPicPr>
@@ -3680,13 +3713,12 @@
                     </p:blipFill>
                     <p:spPr>
                       <a:xfrm>
-                        <a:off x="0" y="1299280"/>
-                        <a:ext cx="12192000" cy="4259440"/>
+                        <a:off x="0" y="839788"/>
+                        <a:ext cx="10237788" cy="5178425"/>
                       </a:xfrm>
                       <a:prstGeom prst="rect">
                         <a:avLst/>
                       </a:prstGeom>
-                      <a:noFill/>
                     </p:spPr>
                   </p:pic>
                 </p:oleObj>
@@ -3695,10 +3727,39 @@
           </a:graphicData>
         </a:graphic>
       </p:graphicFrame>
+      <p:pic>
+        <p:nvPicPr>
+          <p:cNvPr id="6" name="Picture 5">
+            <a:extLst>
+              <a:ext uri="{FF2B5EF4-FFF2-40B4-BE49-F238E27FC236}">
+                <a16:creationId xmlns:a16="http://schemas.microsoft.com/office/drawing/2014/main" id="{F59D9295-04A5-3E36-642E-3E66698E8B79}"/>
+              </a:ext>
+            </a:extLst>
+          </p:cNvPr>
+          <p:cNvPicPr>
+            <a:picLocks noChangeAspect="1"/>
+          </p:cNvPicPr>
+          <p:nvPr/>
+        </p:nvPicPr>
+        <p:blipFill rotWithShape="1">
+          <a:blip r:embed="rId4"/>
+          <a:srcRect l="21506" r="19623"/>
+          <a:stretch/>
+        </p:blipFill>
+        <p:spPr>
+          <a:xfrm>
+            <a:off x="8184629" y="-1"/>
+            <a:ext cx="3028014" cy="6858000"/>
+          </a:xfrm>
+          <a:prstGeom prst="rect">
+            <a:avLst/>
+          </a:prstGeom>
+        </p:spPr>
+      </p:pic>
     </p:spTree>
     <p:extLst>
       <p:ext uri="{BB962C8B-B14F-4D97-AF65-F5344CB8AC3E}">
-        <p14:creationId xmlns:p14="http://schemas.microsoft.com/office/powerpoint/2010/main" val="837711568"/>
+        <p14:creationId xmlns:p14="http://schemas.microsoft.com/office/powerpoint/2010/main" val="2995951845"/>
       </p:ext>
     </p:extLst>
   </p:cSld>
@@ -3725,12 +3786,70 @@
           <a:chExt cx="0" cy="0"/>
         </a:xfrm>
       </p:grpSpPr>
+      <p:pic>
+        <p:nvPicPr>
+          <p:cNvPr id="6" name="Picture 5">
+            <a:extLst>
+              <a:ext uri="{FF2B5EF4-FFF2-40B4-BE49-F238E27FC236}">
+                <a16:creationId xmlns:a16="http://schemas.microsoft.com/office/drawing/2014/main" id="{F59D9295-04A5-3E36-642E-3E66698E8B79}"/>
+              </a:ext>
+            </a:extLst>
+          </p:cNvPr>
+          <p:cNvPicPr>
+            <a:picLocks noChangeAspect="1"/>
+          </p:cNvPicPr>
+          <p:nvPr/>
+        </p:nvPicPr>
+        <p:blipFill rotWithShape="1">
+          <a:blip r:embed="rId2"/>
+          <a:srcRect l="21506" r="19623"/>
+          <a:stretch/>
+        </p:blipFill>
+        <p:spPr>
+          <a:xfrm>
+            <a:off x="8184629" y="-1"/>
+            <a:ext cx="3028014" cy="6858000"/>
+          </a:xfrm>
+          <a:prstGeom prst="rect">
+            <a:avLst/>
+          </a:prstGeom>
+        </p:spPr>
+      </p:pic>
+      <p:pic>
+        <p:nvPicPr>
+          <p:cNvPr id="4" name="Picture 3">
+            <a:extLst>
+              <a:ext uri="{FF2B5EF4-FFF2-40B4-BE49-F238E27FC236}">
+                <a16:creationId xmlns:a16="http://schemas.microsoft.com/office/drawing/2014/main" id="{861F8FE3-1B41-C310-63FA-0D8EF8F8E156}"/>
+              </a:ext>
+            </a:extLst>
+          </p:cNvPr>
+          <p:cNvPicPr>
+            <a:picLocks noChangeAspect="1"/>
+          </p:cNvPicPr>
+          <p:nvPr/>
+        </p:nvPicPr>
+        <p:blipFill>
+          <a:blip r:embed="rId3"/>
+          <a:srcRect l="20565" r="20565"/>
+          <a:stretch/>
+        </p:blipFill>
+        <p:spPr>
+          <a:xfrm>
+            <a:off x="8139659" y="0"/>
+            <a:ext cx="3028014" cy="6858000"/>
+          </a:xfrm>
+          <a:prstGeom prst="rect">
+            <a:avLst/>
+          </a:prstGeom>
+        </p:spPr>
+      </p:pic>
       <p:graphicFrame>
         <p:nvGraphicFramePr>
-          <p:cNvPr id="2" name="Object 1">
-            <a:extLst>
-              <a:ext uri="{FF2B5EF4-FFF2-40B4-BE49-F238E27FC236}">
-                <a16:creationId xmlns:a16="http://schemas.microsoft.com/office/drawing/2014/main" id="{1C004EFD-C0DB-804D-B5E8-649F26D94E93}"/>
+          <p:cNvPr id="5" name="Object 4">
+            <a:extLst>
+              <a:ext uri="{FF2B5EF4-FFF2-40B4-BE49-F238E27FC236}">
+                <a16:creationId xmlns:a16="http://schemas.microsoft.com/office/drawing/2014/main" id="{C0175C36-5A15-38D3-F1D2-E0730A313531}"/>
               </a:ext>
             </a:extLst>
           </p:cNvPr>
@@ -3740,25 +3859,341 @@
           <p:nvPr>
             <p:extLst>
               <p:ext uri="{D42A27DB-BD31-4B8C-83A1-F6EECF244321}">
-                <p14:modId xmlns:p14="http://schemas.microsoft.com/office/powerpoint/2010/main" val="1337033264"/>
+                <p14:modId xmlns:p14="http://schemas.microsoft.com/office/powerpoint/2010/main" val="549468982"/>
               </p:ext>
             </p:extLst>
           </p:nvPr>
         </p:nvGraphicFramePr>
         <p:xfrm>
-          <a:off x="0" y="477069"/>
-          <a:ext cx="12192000" cy="5903862"/>
+          <a:off x="0" y="839788"/>
+          <a:ext cx="10237788" cy="5178425"/>
         </p:xfrm>
         <a:graphic>
           <a:graphicData uri="http://schemas.openxmlformats.org/presentationml/2006/ole">
             <mc:AlternateContent xmlns:mc="http://schemas.openxmlformats.org/markup-compatibility/2006">
               <mc:Choice xmlns:v="urn:schemas-microsoft-com:vml" Requires="v">
-                <p:oleObj name="Document" r:id="rId2" imgW="8864600" imgH="4292600" progId="Word.Document.12">
+                <p:oleObj name="Document" r:id="rId4" imgW="8864600" imgH="4483100" progId="Word.Document.12">
                   <p:embed/>
                 </p:oleObj>
               </mc:Choice>
               <mc:Fallback>
-                <p:oleObj name="Document" r:id="rId2" imgW="8864600" imgH="4292600" progId="Word.Document.12">
+                <p:oleObj name="Document" r:id="rId4" imgW="8864600" imgH="4483100" progId="Word.Document.12">
+                  <p:embed/>
+                  <p:pic>
+                    <p:nvPicPr>
+                      <p:cNvPr id="2" name="Object 1">
+                        <a:extLst>
+                          <a:ext uri="{FF2B5EF4-FFF2-40B4-BE49-F238E27FC236}">
+                            <a16:creationId xmlns:a16="http://schemas.microsoft.com/office/drawing/2014/main" id="{CBE51BE5-3430-9443-AA25-E27438A545AC}"/>
+                          </a:ext>
+                        </a:extLst>
+                      </p:cNvPr>
+                      <p:cNvPicPr/>
+                      <p:nvPr/>
+                    </p:nvPicPr>
+                    <p:blipFill>
+                      <a:blip r:embed="rId5"/>
+                      <a:stretch>
+                        <a:fillRect/>
+                      </a:stretch>
+                    </p:blipFill>
+                    <p:spPr>
+                      <a:xfrm>
+                        <a:off x="0" y="839788"/>
+                        <a:ext cx="10237788" cy="5178425"/>
+                      </a:xfrm>
+                      <a:prstGeom prst="rect">
+                        <a:avLst/>
+                      </a:prstGeom>
+                    </p:spPr>
+                  </p:pic>
+                </p:oleObj>
+              </mc:Fallback>
+            </mc:AlternateContent>
+          </a:graphicData>
+        </a:graphic>
+      </p:graphicFrame>
+    </p:spTree>
+    <p:extLst>
+      <p:ext uri="{BB962C8B-B14F-4D97-AF65-F5344CB8AC3E}">
+        <p14:creationId xmlns:p14="http://schemas.microsoft.com/office/powerpoint/2010/main" val="2645962272"/>
+      </p:ext>
+    </p:extLst>
+  </p:cSld>
+  <p:clrMapOvr>
+    <a:masterClrMapping/>
+  </p:clrMapOvr>
+</p:sld>
+</file>
+
+<file path=ppt/slides/slide6.xml><?xml version="1.0" encoding="utf-8"?>
+<p:sld xmlns:a="http://schemas.openxmlformats.org/drawingml/2006/main" xmlns:r="http://schemas.openxmlformats.org/officeDocument/2006/relationships" xmlns:p="http://schemas.openxmlformats.org/presentationml/2006/main">
+  <p:cSld>
+    <p:spTree>
+      <p:nvGrpSpPr>
+        <p:cNvPr id="1" name=""/>
+        <p:cNvGrpSpPr/>
+        <p:nvPr/>
+      </p:nvGrpSpPr>
+      <p:grpSpPr>
+        <a:xfrm>
+          <a:off x="0" y="0"/>
+          <a:ext cx="0" cy="0"/>
+          <a:chOff x="0" y="0"/>
+          <a:chExt cx="0" cy="0"/>
+        </a:xfrm>
+      </p:grpSpPr>
+      <p:graphicFrame>
+        <p:nvGraphicFramePr>
+          <p:cNvPr id="3" name="Object 2">
+            <a:extLst>
+              <a:ext uri="{FF2B5EF4-FFF2-40B4-BE49-F238E27FC236}">
+                <a16:creationId xmlns:a16="http://schemas.microsoft.com/office/drawing/2014/main" id="{E23F6918-4A3A-8646-903F-DB71027C80E5}"/>
+              </a:ext>
+            </a:extLst>
+          </p:cNvPr>
+          <p:cNvGraphicFramePr>
+            <a:graphicFrameLocks noChangeAspect="1"/>
+          </p:cNvGraphicFramePr>
+          <p:nvPr>
+            <p:extLst>
+              <p:ext uri="{D42A27DB-BD31-4B8C-83A1-F6EECF244321}">
+                <p14:modId xmlns:p14="http://schemas.microsoft.com/office/powerpoint/2010/main" val="1997435409"/>
+              </p:ext>
+            </p:extLst>
+          </p:nvPr>
+        </p:nvGraphicFramePr>
+        <p:xfrm>
+          <a:off x="0" y="1234571"/>
+          <a:ext cx="10242000" cy="4388857"/>
+        </p:xfrm>
+        <a:graphic>
+          <a:graphicData uri="http://schemas.openxmlformats.org/presentationml/2006/ole">
+            <mc:AlternateContent xmlns:mc="http://schemas.openxmlformats.org/markup-compatibility/2006">
+              <mc:Choice xmlns:v="urn:schemas-microsoft-com:vml" Requires="v">
+                <p:oleObj name="Document" r:id="rId2" imgW="8864600" imgH="3797300" progId="Word.Document.12">
+                  <p:embed/>
+                </p:oleObj>
+              </mc:Choice>
+              <mc:Fallback>
+                <p:oleObj name="Document" r:id="rId2" imgW="8864600" imgH="3797300" progId="Word.Document.12">
+                  <p:embed/>
+                  <p:pic>
+                    <p:nvPicPr>
+                      <p:cNvPr id="0" name=""/>
+                      <p:cNvPicPr/>
+                      <p:nvPr/>
+                    </p:nvPicPr>
+                    <p:blipFill>
+                      <a:blip r:embed="rId3"/>
+                      <a:stretch>
+                        <a:fillRect/>
+                      </a:stretch>
+                    </p:blipFill>
+                    <p:spPr>
+                      <a:xfrm>
+                        <a:off x="0" y="1234571"/>
+                        <a:ext cx="10242000" cy="4388857"/>
+                      </a:xfrm>
+                      <a:prstGeom prst="rect">
+                        <a:avLst/>
+                      </a:prstGeom>
+                      <a:noFill/>
+                    </p:spPr>
+                  </p:pic>
+                </p:oleObj>
+              </mc:Fallback>
+            </mc:AlternateContent>
+          </a:graphicData>
+        </a:graphic>
+      </p:graphicFrame>
+    </p:spTree>
+    <p:extLst>
+      <p:ext uri="{BB962C8B-B14F-4D97-AF65-F5344CB8AC3E}">
+        <p14:creationId xmlns:p14="http://schemas.microsoft.com/office/powerpoint/2010/main" val="354116519"/>
+      </p:ext>
+    </p:extLst>
+  </p:cSld>
+  <p:clrMapOvr>
+    <a:masterClrMapping/>
+  </p:clrMapOvr>
+</p:sld>
+</file>
+
+<file path=ppt/slides/slide7.xml><?xml version="1.0" encoding="utf-8"?>
+<p:sld xmlns:a="http://schemas.openxmlformats.org/drawingml/2006/main" xmlns:r="http://schemas.openxmlformats.org/officeDocument/2006/relationships" xmlns:p="http://schemas.openxmlformats.org/presentationml/2006/main">
+  <p:cSld>
+    <p:spTree>
+      <p:nvGrpSpPr>
+        <p:cNvPr id="1" name=""/>
+        <p:cNvGrpSpPr/>
+        <p:nvPr/>
+      </p:nvGrpSpPr>
+      <p:grpSpPr>
+        <a:xfrm>
+          <a:off x="0" y="0"/>
+          <a:ext cx="0" cy="0"/>
+          <a:chOff x="0" y="0"/>
+          <a:chExt cx="0" cy="0"/>
+        </a:xfrm>
+      </p:grpSpPr>
+      <p:graphicFrame>
+        <p:nvGraphicFramePr>
+          <p:cNvPr id="2" name="Object 1">
+            <a:extLst>
+              <a:ext uri="{FF2B5EF4-FFF2-40B4-BE49-F238E27FC236}">
+                <a16:creationId xmlns:a16="http://schemas.microsoft.com/office/drawing/2014/main" id="{1C004EFD-C0DB-804D-B5E8-649F26D94E93}"/>
+              </a:ext>
+            </a:extLst>
+          </p:cNvPr>
+          <p:cNvGraphicFramePr>
+            <a:graphicFrameLocks noChangeAspect="1"/>
+          </p:cNvGraphicFramePr>
+          <p:nvPr>
+            <p:extLst>
+              <p:ext uri="{D42A27DB-BD31-4B8C-83A1-F6EECF244321}">
+                <p14:modId xmlns:p14="http://schemas.microsoft.com/office/powerpoint/2010/main" val="1049676391"/>
+              </p:ext>
+            </p:extLst>
+          </p:nvPr>
+        </p:nvGraphicFramePr>
+        <p:xfrm>
+          <a:off x="1916592" y="3546986"/>
+          <a:ext cx="8358816" cy="3122585"/>
+        </p:xfrm>
+        <a:graphic>
+          <a:graphicData uri="http://schemas.openxmlformats.org/presentationml/2006/ole">
+            <mc:AlternateContent xmlns:mc="http://schemas.openxmlformats.org/markup-compatibility/2006">
+              <mc:Choice xmlns:v="urn:schemas-microsoft-com:vml" Requires="v">
+                <p:oleObj name="Document" r:id="rId2" imgW="8978900" imgH="3352800" progId="Word.Document.12">
+                  <p:embed/>
+                </p:oleObj>
+              </mc:Choice>
+              <mc:Fallback>
+                <p:oleObj name="Document" r:id="rId2" imgW="8978900" imgH="3352800" progId="Word.Document.12">
+                  <p:embed/>
+                  <p:pic>
+                    <p:nvPicPr>
+                      <p:cNvPr id="0" name=""/>
+                      <p:cNvPicPr/>
+                      <p:nvPr/>
+                    </p:nvPicPr>
+                    <p:blipFill>
+                      <a:blip r:embed="rId3"/>
+                      <a:stretch>
+                        <a:fillRect/>
+                      </a:stretch>
+                    </p:blipFill>
+                    <p:spPr>
+                      <a:xfrm>
+                        <a:off x="1916592" y="3546986"/>
+                        <a:ext cx="8358816" cy="3122585"/>
+                      </a:xfrm>
+                      <a:prstGeom prst="rect">
+                        <a:avLst/>
+                      </a:prstGeom>
+                      <a:noFill/>
+                    </p:spPr>
+                  </p:pic>
+                </p:oleObj>
+              </mc:Fallback>
+            </mc:AlternateContent>
+          </a:graphicData>
+        </a:graphic>
+      </p:graphicFrame>
+      <p:pic>
+        <p:nvPicPr>
+          <p:cNvPr id="6" name="Picture 5">
+            <a:extLst>
+              <a:ext uri="{FF2B5EF4-FFF2-40B4-BE49-F238E27FC236}">
+                <a16:creationId xmlns:a16="http://schemas.microsoft.com/office/drawing/2014/main" id="{04AC2FA1-C969-2F88-BF0E-9E74DAAEABD6}"/>
+              </a:ext>
+            </a:extLst>
+          </p:cNvPr>
+          <p:cNvPicPr>
+            <a:picLocks noChangeAspect="1"/>
+          </p:cNvPicPr>
+          <p:nvPr/>
+        </p:nvPicPr>
+        <p:blipFill rotWithShape="1">
+          <a:blip r:embed="rId4"/>
+          <a:srcRect t="20833" b="21908"/>
+          <a:stretch/>
+        </p:blipFill>
+        <p:spPr>
+          <a:xfrm>
+            <a:off x="2811470" y="105556"/>
+            <a:ext cx="8013845" cy="3441429"/>
+          </a:xfrm>
+          <a:prstGeom prst="rect">
+            <a:avLst/>
+          </a:prstGeom>
+        </p:spPr>
+      </p:pic>
+    </p:spTree>
+    <p:extLst>
+      <p:ext uri="{BB962C8B-B14F-4D97-AF65-F5344CB8AC3E}">
+        <p14:creationId xmlns:p14="http://schemas.microsoft.com/office/powerpoint/2010/main" val="837711568"/>
+      </p:ext>
+    </p:extLst>
+  </p:cSld>
+  <p:clrMapOvr>
+    <a:masterClrMapping/>
+  </p:clrMapOvr>
+</p:sld>
+</file>
+
+<file path=ppt/slides/slide8.xml><?xml version="1.0" encoding="utf-8"?>
+<p:sld xmlns:a="http://schemas.openxmlformats.org/drawingml/2006/main" xmlns:r="http://schemas.openxmlformats.org/officeDocument/2006/relationships" xmlns:p="http://schemas.openxmlformats.org/presentationml/2006/main">
+  <p:cSld>
+    <p:spTree>
+      <p:nvGrpSpPr>
+        <p:cNvPr id="1" name=""/>
+        <p:cNvGrpSpPr/>
+        <p:nvPr/>
+      </p:nvGrpSpPr>
+      <p:grpSpPr>
+        <a:xfrm>
+          <a:off x="0" y="0"/>
+          <a:ext cx="0" cy="0"/>
+          <a:chOff x="0" y="0"/>
+          <a:chExt cx="0" cy="0"/>
+        </a:xfrm>
+      </p:grpSpPr>
+      <p:graphicFrame>
+        <p:nvGraphicFramePr>
+          <p:cNvPr id="2" name="Object 1">
+            <a:extLst>
+              <a:ext uri="{FF2B5EF4-FFF2-40B4-BE49-F238E27FC236}">
+                <a16:creationId xmlns:a16="http://schemas.microsoft.com/office/drawing/2014/main" id="{1C004EFD-C0DB-804D-B5E8-649F26D94E93}"/>
+              </a:ext>
+            </a:extLst>
+          </p:cNvPr>
+          <p:cNvGraphicFramePr>
+            <a:graphicFrameLocks noChangeAspect="1"/>
+          </p:cNvGraphicFramePr>
+          <p:nvPr>
+            <p:extLst>
+              <p:ext uri="{D42A27DB-BD31-4B8C-83A1-F6EECF244321}">
+                <p14:modId xmlns:p14="http://schemas.microsoft.com/office/powerpoint/2010/main" val="295389840"/>
+              </p:ext>
+            </p:extLst>
+          </p:nvPr>
+        </p:nvGraphicFramePr>
+        <p:xfrm>
+          <a:off x="1027112" y="1117868"/>
+          <a:ext cx="10137775" cy="4622263"/>
+        </p:xfrm>
+        <a:graphic>
+          <a:graphicData uri="http://schemas.openxmlformats.org/presentationml/2006/ole">
+            <mc:AlternateContent xmlns:mc="http://schemas.openxmlformats.org/markup-compatibility/2006">
+              <mc:Choice xmlns:v="urn:schemas-microsoft-com:vml" Requires="v">
+                <p:oleObj name="Document" r:id="rId2" imgW="9105900" imgH="4152900" progId="Word.Document.12">
+                  <p:embed/>
+                </p:oleObj>
+              </mc:Choice>
+              <mc:Fallback>
+                <p:oleObj name="Document" r:id="rId2" imgW="9105900" imgH="4152900" progId="Word.Document.12">
                   <p:embed/>
                   <p:pic>
                     <p:nvPicPr>
@@ -3780,8 +4215,8 @@
                     </p:blipFill>
                     <p:spPr>
                       <a:xfrm>
-                        <a:off x="0" y="477069"/>
-                        <a:ext cx="12192000" cy="5903862"/>
+                        <a:off x="1027112" y="1117868"/>
+                        <a:ext cx="10137775" cy="4622263"/>
                       </a:xfrm>
                       <a:prstGeom prst="rect">
                         <a:avLst/>

--- a/out/Summary.pptx
+++ b/out/Summary.pptx
@@ -9,10 +9,11 @@
     <p:sldId id="262" r:id="rId3"/>
     <p:sldId id="263" r:id="rId4"/>
     <p:sldId id="257" r:id="rId5"/>
-    <p:sldId id="265" r:id="rId6"/>
+    <p:sldId id="266" r:id="rId6"/>
     <p:sldId id="258" r:id="rId7"/>
     <p:sldId id="259" r:id="rId8"/>
     <p:sldId id="261" r:id="rId9"/>
+    <p:sldId id="267" r:id="rId10"/>
   </p:sldIdLst>
   <p:sldSz cx="12192000" cy="6858000"/>
   <p:notesSz cx="6858000" cy="9144000"/>
@@ -268,7 +269,7 @@
           <a:p>
             <a:fld id="{095752B1-FC9A-D942-A52A-1C8FD95D4902}" type="datetimeFigureOut">
               <a:rPr lang="en-DE" smtClean="0"/>
-              <a:t>24.05.22</a:t>
+              <a:t>25.05.22</a:t>
             </a:fld>
             <a:endParaRPr lang="en-DE"/>
           </a:p>
@@ -468,7 +469,7 @@
           <a:p>
             <a:fld id="{095752B1-FC9A-D942-A52A-1C8FD95D4902}" type="datetimeFigureOut">
               <a:rPr lang="en-DE" smtClean="0"/>
-              <a:t>24.05.22</a:t>
+              <a:t>25.05.22</a:t>
             </a:fld>
             <a:endParaRPr lang="en-DE"/>
           </a:p>
@@ -678,7 +679,7 @@
           <a:p>
             <a:fld id="{095752B1-FC9A-D942-A52A-1C8FD95D4902}" type="datetimeFigureOut">
               <a:rPr lang="en-DE" smtClean="0"/>
-              <a:t>24.05.22</a:t>
+              <a:t>25.05.22</a:t>
             </a:fld>
             <a:endParaRPr lang="en-DE"/>
           </a:p>
@@ -878,7 +879,7 @@
           <a:p>
             <a:fld id="{095752B1-FC9A-D942-A52A-1C8FD95D4902}" type="datetimeFigureOut">
               <a:rPr lang="en-DE" smtClean="0"/>
-              <a:t>24.05.22</a:t>
+              <a:t>25.05.22</a:t>
             </a:fld>
             <a:endParaRPr lang="en-DE"/>
           </a:p>
@@ -1154,7 +1155,7 @@
           <a:p>
             <a:fld id="{095752B1-FC9A-D942-A52A-1C8FD95D4902}" type="datetimeFigureOut">
               <a:rPr lang="en-DE" smtClean="0"/>
-              <a:t>24.05.22</a:t>
+              <a:t>25.05.22</a:t>
             </a:fld>
             <a:endParaRPr lang="en-DE"/>
           </a:p>
@@ -1422,7 +1423,7 @@
           <a:p>
             <a:fld id="{095752B1-FC9A-D942-A52A-1C8FD95D4902}" type="datetimeFigureOut">
               <a:rPr lang="en-DE" smtClean="0"/>
-              <a:t>24.05.22</a:t>
+              <a:t>25.05.22</a:t>
             </a:fld>
             <a:endParaRPr lang="en-DE"/>
           </a:p>
@@ -1837,7 +1838,7 @@
           <a:p>
             <a:fld id="{095752B1-FC9A-D942-A52A-1C8FD95D4902}" type="datetimeFigureOut">
               <a:rPr lang="en-DE" smtClean="0"/>
-              <a:t>24.05.22</a:t>
+              <a:t>25.05.22</a:t>
             </a:fld>
             <a:endParaRPr lang="en-DE"/>
           </a:p>
@@ -1979,7 +1980,7 @@
           <a:p>
             <a:fld id="{095752B1-FC9A-D942-A52A-1C8FD95D4902}" type="datetimeFigureOut">
               <a:rPr lang="en-DE" smtClean="0"/>
-              <a:t>24.05.22</a:t>
+              <a:t>25.05.22</a:t>
             </a:fld>
             <a:endParaRPr lang="en-DE"/>
           </a:p>
@@ -2092,7 +2093,7 @@
           <a:p>
             <a:fld id="{095752B1-FC9A-D942-A52A-1C8FD95D4902}" type="datetimeFigureOut">
               <a:rPr lang="en-DE" smtClean="0"/>
-              <a:t>24.05.22</a:t>
+              <a:t>25.05.22</a:t>
             </a:fld>
             <a:endParaRPr lang="en-DE"/>
           </a:p>
@@ -2405,7 +2406,7 @@
           <a:p>
             <a:fld id="{095752B1-FC9A-D942-A52A-1C8FD95D4902}" type="datetimeFigureOut">
               <a:rPr lang="en-DE" smtClean="0"/>
-              <a:t>24.05.22</a:t>
+              <a:t>25.05.22</a:t>
             </a:fld>
             <a:endParaRPr lang="en-DE"/>
           </a:p>
@@ -2694,7 +2695,7 @@
           <a:p>
             <a:fld id="{095752B1-FC9A-D942-A52A-1C8FD95D4902}" type="datetimeFigureOut">
               <a:rPr lang="en-DE" smtClean="0"/>
-              <a:t>24.05.22</a:t>
+              <a:t>25.05.22</a:t>
             </a:fld>
             <a:endParaRPr lang="en-DE"/>
           </a:p>
@@ -2937,7 +2938,7 @@
           <a:p>
             <a:fld id="{095752B1-FC9A-D942-A52A-1C8FD95D4902}" type="datetimeFigureOut">
               <a:rPr lang="en-DE" smtClean="0"/>
-              <a:t>24.05.22</a:t>
+              <a:t>25.05.22</a:t>
             </a:fld>
             <a:endParaRPr lang="en-DE"/>
           </a:p>
@@ -3679,7 +3680,7 @@
           <p:nvPr>
             <p:extLst>
               <p:ext uri="{D42A27DB-BD31-4B8C-83A1-F6EECF244321}">
-                <p14:modId xmlns:p14="http://schemas.microsoft.com/office/powerpoint/2010/main" val="874708580"/>
+                <p14:modId xmlns:p14="http://schemas.microsoft.com/office/powerpoint/2010/main" val="2944730896"/>
               </p:ext>
             </p:extLst>
           </p:nvPr>
@@ -3741,9 +3742,9 @@
           </p:cNvPicPr>
           <p:nvPr/>
         </p:nvPicPr>
-        <p:blipFill rotWithShape="1">
+        <p:blipFill>
           <a:blip r:embed="rId4"/>
-          <a:srcRect l="21506" r="19623"/>
+          <a:srcRect l="20565" r="20565"/>
           <a:stretch/>
         </p:blipFill>
         <p:spPr>
@@ -3800,9 +3801,9 @@
           </p:cNvPicPr>
           <p:nvPr/>
         </p:nvPicPr>
-        <p:blipFill rotWithShape="1">
+        <p:blipFill>
           <a:blip r:embed="rId2"/>
-          <a:srcRect l="21506" r="19623"/>
+          <a:srcRect l="20565" r="20565"/>
           <a:stretch/>
         </p:blipFill>
         <p:spPr>
@@ -3815,41 +3816,12 @@
           </a:prstGeom>
         </p:spPr>
       </p:pic>
-      <p:pic>
-        <p:nvPicPr>
-          <p:cNvPr id="4" name="Picture 3">
-            <a:extLst>
-              <a:ext uri="{FF2B5EF4-FFF2-40B4-BE49-F238E27FC236}">
-                <a16:creationId xmlns:a16="http://schemas.microsoft.com/office/drawing/2014/main" id="{861F8FE3-1B41-C310-63FA-0D8EF8F8E156}"/>
-              </a:ext>
-            </a:extLst>
-          </p:cNvPr>
-          <p:cNvPicPr>
-            <a:picLocks noChangeAspect="1"/>
-          </p:cNvPicPr>
-          <p:nvPr/>
-        </p:nvPicPr>
-        <p:blipFill>
-          <a:blip r:embed="rId3"/>
-          <a:srcRect l="20565" r="20565"/>
-          <a:stretch/>
-        </p:blipFill>
-        <p:spPr>
-          <a:xfrm>
-            <a:off x="8139659" y="0"/>
-            <a:ext cx="3028014" cy="6858000"/>
-          </a:xfrm>
-          <a:prstGeom prst="rect">
-            <a:avLst/>
-          </a:prstGeom>
-        </p:spPr>
-      </p:pic>
       <p:graphicFrame>
         <p:nvGraphicFramePr>
-          <p:cNvPr id="5" name="Object 4">
-            <a:extLst>
-              <a:ext uri="{FF2B5EF4-FFF2-40B4-BE49-F238E27FC236}">
-                <a16:creationId xmlns:a16="http://schemas.microsoft.com/office/drawing/2014/main" id="{C0175C36-5A15-38D3-F1D2-E0730A313531}"/>
+          <p:cNvPr id="4" name="Object 3">
+            <a:extLst>
+              <a:ext uri="{FF2B5EF4-FFF2-40B4-BE49-F238E27FC236}">
+                <a16:creationId xmlns:a16="http://schemas.microsoft.com/office/drawing/2014/main" id="{783ABD79-A9B2-A2B4-1E0E-90EE8AD466AD}"/>
               </a:ext>
             </a:extLst>
           </p:cNvPr>
@@ -3859,7 +3831,7 @@
           <p:nvPr>
             <p:extLst>
               <p:ext uri="{D42A27DB-BD31-4B8C-83A1-F6EECF244321}">
-                <p14:modId xmlns:p14="http://schemas.microsoft.com/office/powerpoint/2010/main" val="549468982"/>
+                <p14:modId xmlns:p14="http://schemas.microsoft.com/office/powerpoint/2010/main" val="2030670401"/>
               </p:ext>
             </p:extLst>
           </p:nvPr>
@@ -3872,12 +3844,12 @@
           <a:graphicData uri="http://schemas.openxmlformats.org/presentationml/2006/ole">
             <mc:AlternateContent xmlns:mc="http://schemas.openxmlformats.org/markup-compatibility/2006">
               <mc:Choice xmlns:v="urn:schemas-microsoft-com:vml" Requires="v">
-                <p:oleObj name="Document" r:id="rId4" imgW="8864600" imgH="4483100" progId="Word.Document.12">
+                <p:oleObj name="Document" r:id="rId3" imgW="8864600" imgH="4483100" progId="Word.Document.12">
                   <p:embed/>
                 </p:oleObj>
               </mc:Choice>
               <mc:Fallback>
-                <p:oleObj name="Document" r:id="rId4" imgW="8864600" imgH="4483100" progId="Word.Document.12">
+                <p:oleObj name="Document" r:id="rId3" imgW="8864600" imgH="4483100" progId="Word.Document.12">
                   <p:embed/>
                   <p:pic>
                     <p:nvPicPr>
@@ -3892,7 +3864,7 @@
                       <p:nvPr/>
                     </p:nvPicPr>
                     <p:blipFill>
-                      <a:blip r:embed="rId5"/>
+                      <a:blip r:embed="rId4"/>
                       <a:stretch>
                         <a:fillRect/>
                       </a:stretch>
@@ -3916,7 +3888,7 @@
     </p:spTree>
     <p:extLst>
       <p:ext uri="{BB962C8B-B14F-4D97-AF65-F5344CB8AC3E}">
-        <p14:creationId xmlns:p14="http://schemas.microsoft.com/office/powerpoint/2010/main" val="2645962272"/>
+        <p14:creationId xmlns:p14="http://schemas.microsoft.com/office/powerpoint/2010/main" val="3476592387"/>
       </p:ext>
     </p:extLst>
   </p:cSld>
@@ -4175,25 +4147,25 @@
           <p:nvPr>
             <p:extLst>
               <p:ext uri="{D42A27DB-BD31-4B8C-83A1-F6EECF244321}">
-                <p14:modId xmlns:p14="http://schemas.microsoft.com/office/powerpoint/2010/main" val="295389840"/>
+                <p14:modId xmlns:p14="http://schemas.microsoft.com/office/powerpoint/2010/main" val="1684353782"/>
               </p:ext>
             </p:extLst>
           </p:nvPr>
         </p:nvGraphicFramePr>
         <p:xfrm>
-          <a:off x="1027112" y="1117868"/>
-          <a:ext cx="10137775" cy="4622263"/>
+          <a:off x="1027113" y="1682750"/>
+          <a:ext cx="10137775" cy="3490913"/>
         </p:xfrm>
         <a:graphic>
           <a:graphicData uri="http://schemas.openxmlformats.org/presentationml/2006/ole">
             <mc:AlternateContent xmlns:mc="http://schemas.openxmlformats.org/markup-compatibility/2006">
               <mc:Choice xmlns:v="urn:schemas-microsoft-com:vml" Requires="v">
-                <p:oleObj name="Document" r:id="rId2" imgW="9105900" imgH="4152900" progId="Word.Document.12">
+                <p:oleObj name="Document" r:id="rId2" imgW="9105900" imgH="3136900" progId="Word.Document.12">
                   <p:embed/>
                 </p:oleObj>
               </mc:Choice>
               <mc:Fallback>
-                <p:oleObj name="Document" r:id="rId2" imgW="9105900" imgH="4152900" progId="Word.Document.12">
+                <p:oleObj name="Document" r:id="rId2" imgW="9105900" imgH="3136900" progId="Word.Document.12">
                   <p:embed/>
                   <p:pic>
                     <p:nvPicPr>
@@ -4215,8 +4187,8 @@
                     </p:blipFill>
                     <p:spPr>
                       <a:xfrm>
-                        <a:off x="1027112" y="1117868"/>
-                        <a:ext cx="10137775" cy="4622263"/>
+                        <a:off x="1027113" y="1682750"/>
+                        <a:ext cx="10137775" cy="3490913"/>
                       </a:xfrm>
                       <a:prstGeom prst="rect">
                         <a:avLst/>
@@ -4234,6 +4206,104 @@
     <p:extLst>
       <p:ext uri="{BB962C8B-B14F-4D97-AF65-F5344CB8AC3E}">
         <p14:creationId xmlns:p14="http://schemas.microsoft.com/office/powerpoint/2010/main" val="2755188735"/>
+      </p:ext>
+    </p:extLst>
+  </p:cSld>
+  <p:clrMapOvr>
+    <a:masterClrMapping/>
+  </p:clrMapOvr>
+</p:sld>
+</file>
+
+<file path=ppt/slides/slide9.xml><?xml version="1.0" encoding="utf-8"?>
+<p:sld xmlns:a="http://schemas.openxmlformats.org/drawingml/2006/main" xmlns:r="http://schemas.openxmlformats.org/officeDocument/2006/relationships" xmlns:p="http://schemas.openxmlformats.org/presentationml/2006/main">
+  <p:cSld>
+    <p:bg>
+      <p:bgPr>
+        <a:solidFill>
+          <a:schemeClr val="bg1"/>
+        </a:solidFill>
+        <a:effectLst/>
+      </p:bgPr>
+    </p:bg>
+    <p:spTree>
+      <p:nvGrpSpPr>
+        <p:cNvPr id="1" name=""/>
+        <p:cNvGrpSpPr/>
+        <p:nvPr/>
+      </p:nvGrpSpPr>
+      <p:grpSpPr>
+        <a:xfrm>
+          <a:off x="0" y="0"/>
+          <a:ext cx="0" cy="0"/>
+          <a:chOff x="0" y="0"/>
+          <a:chExt cx="0" cy="0"/>
+        </a:xfrm>
+      </p:grpSpPr>
+      <p:pic>
+        <p:nvPicPr>
+          <p:cNvPr id="4" name="Picture 3">
+            <a:extLst>
+              <a:ext uri="{FF2B5EF4-FFF2-40B4-BE49-F238E27FC236}">
+                <a16:creationId xmlns:a16="http://schemas.microsoft.com/office/drawing/2014/main" id="{B6E0EE3B-99D4-0DE5-1C7D-9B19A007EF9B}"/>
+              </a:ext>
+            </a:extLst>
+          </p:cNvPr>
+          <p:cNvPicPr>
+            <a:picLocks noChangeAspect="1"/>
+          </p:cNvPicPr>
+          <p:nvPr/>
+        </p:nvPicPr>
+        <p:blipFill>
+          <a:blip r:embed="rId2"/>
+          <a:stretch>
+            <a:fillRect/>
+          </a:stretch>
+        </p:blipFill>
+        <p:spPr>
+          <a:xfrm>
+            <a:off x="0" y="300567"/>
+            <a:ext cx="6256865" cy="6256865"/>
+          </a:xfrm>
+          <a:prstGeom prst="rect">
+            <a:avLst/>
+          </a:prstGeom>
+        </p:spPr>
+      </p:pic>
+      <p:pic>
+        <p:nvPicPr>
+          <p:cNvPr id="6" name="Picture 5">
+            <a:extLst>
+              <a:ext uri="{FF2B5EF4-FFF2-40B4-BE49-F238E27FC236}">
+                <a16:creationId xmlns:a16="http://schemas.microsoft.com/office/drawing/2014/main" id="{0C46261D-4353-E095-7D46-331B3A5CC965}"/>
+              </a:ext>
+            </a:extLst>
+          </p:cNvPr>
+          <p:cNvPicPr>
+            <a:picLocks noChangeAspect="1"/>
+          </p:cNvPicPr>
+          <p:nvPr/>
+        </p:nvPicPr>
+        <p:blipFill>
+          <a:blip r:embed="rId3"/>
+          <a:stretch>
+            <a:fillRect/>
+          </a:stretch>
+        </p:blipFill>
+        <p:spPr>
+          <a:xfrm>
+            <a:off x="5549499" y="1436248"/>
+            <a:ext cx="6642501" cy="3985501"/>
+          </a:xfrm>
+          <a:prstGeom prst="rect">
+            <a:avLst/>
+          </a:prstGeom>
+        </p:spPr>
+      </p:pic>
+    </p:spTree>
+    <p:extLst>
+      <p:ext uri="{BB962C8B-B14F-4D97-AF65-F5344CB8AC3E}">
+        <p14:creationId xmlns:p14="http://schemas.microsoft.com/office/powerpoint/2010/main" val="2183098454"/>
       </p:ext>
     </p:extLst>
   </p:cSld>

--- a/out/Summary.pptx
+++ b/out/Summary.pptx
@@ -269,7 +269,7 @@
           <a:p>
             <a:fld id="{095752B1-FC9A-D942-A52A-1C8FD95D4902}" type="datetimeFigureOut">
               <a:rPr lang="en-DE" smtClean="0"/>
-              <a:t>25.05.22</a:t>
+              <a:t>26.05.22</a:t>
             </a:fld>
             <a:endParaRPr lang="en-DE"/>
           </a:p>
@@ -469,7 +469,7 @@
           <a:p>
             <a:fld id="{095752B1-FC9A-D942-A52A-1C8FD95D4902}" type="datetimeFigureOut">
               <a:rPr lang="en-DE" smtClean="0"/>
-              <a:t>25.05.22</a:t>
+              <a:t>26.05.22</a:t>
             </a:fld>
             <a:endParaRPr lang="en-DE"/>
           </a:p>
@@ -679,7 +679,7 @@
           <a:p>
             <a:fld id="{095752B1-FC9A-D942-A52A-1C8FD95D4902}" type="datetimeFigureOut">
               <a:rPr lang="en-DE" smtClean="0"/>
-              <a:t>25.05.22</a:t>
+              <a:t>26.05.22</a:t>
             </a:fld>
             <a:endParaRPr lang="en-DE"/>
           </a:p>
@@ -879,7 +879,7 @@
           <a:p>
             <a:fld id="{095752B1-FC9A-D942-A52A-1C8FD95D4902}" type="datetimeFigureOut">
               <a:rPr lang="en-DE" smtClean="0"/>
-              <a:t>25.05.22</a:t>
+              <a:t>26.05.22</a:t>
             </a:fld>
             <a:endParaRPr lang="en-DE"/>
           </a:p>
@@ -1155,7 +1155,7 @@
           <a:p>
             <a:fld id="{095752B1-FC9A-D942-A52A-1C8FD95D4902}" type="datetimeFigureOut">
               <a:rPr lang="en-DE" smtClean="0"/>
-              <a:t>25.05.22</a:t>
+              <a:t>26.05.22</a:t>
             </a:fld>
             <a:endParaRPr lang="en-DE"/>
           </a:p>
@@ -1423,7 +1423,7 @@
           <a:p>
             <a:fld id="{095752B1-FC9A-D942-A52A-1C8FD95D4902}" type="datetimeFigureOut">
               <a:rPr lang="en-DE" smtClean="0"/>
-              <a:t>25.05.22</a:t>
+              <a:t>26.05.22</a:t>
             </a:fld>
             <a:endParaRPr lang="en-DE"/>
           </a:p>
@@ -1838,7 +1838,7 @@
           <a:p>
             <a:fld id="{095752B1-FC9A-D942-A52A-1C8FD95D4902}" type="datetimeFigureOut">
               <a:rPr lang="en-DE" smtClean="0"/>
-              <a:t>25.05.22</a:t>
+              <a:t>26.05.22</a:t>
             </a:fld>
             <a:endParaRPr lang="en-DE"/>
           </a:p>
@@ -1980,7 +1980,7 @@
           <a:p>
             <a:fld id="{095752B1-FC9A-D942-A52A-1C8FD95D4902}" type="datetimeFigureOut">
               <a:rPr lang="en-DE" smtClean="0"/>
-              <a:t>25.05.22</a:t>
+              <a:t>26.05.22</a:t>
             </a:fld>
             <a:endParaRPr lang="en-DE"/>
           </a:p>
@@ -2093,7 +2093,7 @@
           <a:p>
             <a:fld id="{095752B1-FC9A-D942-A52A-1C8FD95D4902}" type="datetimeFigureOut">
               <a:rPr lang="en-DE" smtClean="0"/>
-              <a:t>25.05.22</a:t>
+              <a:t>26.05.22</a:t>
             </a:fld>
             <a:endParaRPr lang="en-DE"/>
           </a:p>
@@ -2406,7 +2406,7 @@
           <a:p>
             <a:fld id="{095752B1-FC9A-D942-A52A-1C8FD95D4902}" type="datetimeFigureOut">
               <a:rPr lang="en-DE" smtClean="0"/>
-              <a:t>25.05.22</a:t>
+              <a:t>26.05.22</a:t>
             </a:fld>
             <a:endParaRPr lang="en-DE"/>
           </a:p>
@@ -2695,7 +2695,7 @@
           <a:p>
             <a:fld id="{095752B1-FC9A-D942-A52A-1C8FD95D4902}" type="datetimeFigureOut">
               <a:rPr lang="en-DE" smtClean="0"/>
-              <a:t>25.05.22</a:t>
+              <a:t>26.05.22</a:t>
             </a:fld>
             <a:endParaRPr lang="en-DE"/>
           </a:p>
@@ -2938,7 +2938,7 @@
           <a:p>
             <a:fld id="{095752B1-FC9A-D942-A52A-1C8FD95D4902}" type="datetimeFigureOut">
               <a:rPr lang="en-DE" smtClean="0"/>
-              <a:t>25.05.22</a:t>
+              <a:t>26.05.22</a:t>
             </a:fld>
             <a:endParaRPr lang="en-DE"/>
           </a:p>
@@ -4242,10 +4242,10 @@
       </p:grpSpPr>
       <p:pic>
         <p:nvPicPr>
-          <p:cNvPr id="4" name="Picture 3">
-            <a:extLst>
-              <a:ext uri="{FF2B5EF4-FFF2-40B4-BE49-F238E27FC236}">
-                <a16:creationId xmlns:a16="http://schemas.microsoft.com/office/drawing/2014/main" id="{B6E0EE3B-99D4-0DE5-1C7D-9B19A007EF9B}"/>
+          <p:cNvPr id="3" name="Picture 2">
+            <a:extLst>
+              <a:ext uri="{FF2B5EF4-FFF2-40B4-BE49-F238E27FC236}">
+                <a16:creationId xmlns:a16="http://schemas.microsoft.com/office/drawing/2014/main" id="{07E352C7-BCE0-F576-125E-D0FED05B39FD}"/>
               </a:ext>
             </a:extLst>
           </p:cNvPr>
@@ -4254,16 +4254,15 @@
           </p:cNvPicPr>
           <p:nvPr/>
         </p:nvPicPr>
-        <p:blipFill>
+        <p:blipFill rotWithShape="1">
           <a:blip r:embed="rId2"/>
-          <a:stretch>
-            <a:fillRect/>
-          </a:stretch>
+          <a:srcRect l="4504" t="9474" r="9882" b="2807"/>
+          <a:stretch/>
         </p:blipFill>
         <p:spPr>
           <a:xfrm>
-            <a:off x="0" y="300567"/>
-            <a:ext cx="6256865" cy="6256865"/>
+            <a:off x="529444" y="0"/>
+            <a:ext cx="5020055" cy="6858000"/>
           </a:xfrm>
           <a:prstGeom prst="rect">
             <a:avLst/>
@@ -4272,10 +4271,10 @@
       </p:pic>
       <p:pic>
         <p:nvPicPr>
-          <p:cNvPr id="6" name="Picture 5">
-            <a:extLst>
-              <a:ext uri="{FF2B5EF4-FFF2-40B4-BE49-F238E27FC236}">
-                <a16:creationId xmlns:a16="http://schemas.microsoft.com/office/drawing/2014/main" id="{0C46261D-4353-E095-7D46-331B3A5CC965}"/>
+          <p:cNvPr id="7" name="Picture 6">
+            <a:extLst>
+              <a:ext uri="{FF2B5EF4-FFF2-40B4-BE49-F238E27FC236}">
+                <a16:creationId xmlns:a16="http://schemas.microsoft.com/office/drawing/2014/main" id="{CFCEB54D-31CB-0AC2-E6D6-BC2C7B296331}"/>
               </a:ext>
             </a:extLst>
           </p:cNvPr>
@@ -4284,16 +4283,15 @@
           </p:cNvPicPr>
           <p:nvPr/>
         </p:nvPicPr>
-        <p:blipFill>
+        <p:blipFill rotWithShape="1">
           <a:blip r:embed="rId3"/>
-          <a:stretch>
-            <a:fillRect/>
-          </a:stretch>
+          <a:srcRect l="5451" t="3141" r="5319" b="3526"/>
+          <a:stretch/>
         </p:blipFill>
         <p:spPr>
           <a:xfrm>
-            <a:off x="5549499" y="1436248"/>
-            <a:ext cx="6642501" cy="3985501"/>
+            <a:off x="5549499" y="868679"/>
+            <a:ext cx="6527410" cy="5120641"/>
           </a:xfrm>
           <a:prstGeom prst="rect">
             <a:avLst/>
